--- a/examples/source2/5.면접 수험표 만들기/수험표_결과.pptx
+++ b/examples/source2/5.면접 수험표 만들기/수험표_결과.pptx
@@ -6,11 +6,11 @@
   </p:sldMasterIdLst>
   <p:sldIdLst>
     <p:sldId id="256" r:id="rId2"/>
-    <p:sldId id="257" r:id="rId3"/>
-    <p:sldId id="258" r:id="rId4"/>
-    <p:sldId id="259" r:id="rId5"/>
-    <p:sldId id="260" r:id="rId6"/>
-    <p:sldId id="261" r:id="rId7"/>
+    <p:sldId id="257" r:id="rId7"/>
+    <p:sldId id="258" r:id="rId8"/>
+    <p:sldId id="259" r:id="rId9"/>
+    <p:sldId id="260" r:id="rId10"/>
+    <p:sldId id="261" r:id="rId11"/>
   </p:sldIdLst>
   <p:sldSz cx="13208000" cy="9906000"/>
   <p:notesSz cx="6858000" cy="9144000"/>
@@ -3621,7 +3621,7 @@
 </file>
 
 <file path=ppt/slides/slide2.xml><?xml version="1.0" encoding="utf-8"?>
-<p:sld xmlns:a="http://schemas.openxmlformats.org/drawingml/2006/main" xmlns:r="http://schemas.openxmlformats.org/officeDocument/2006/relationships" xmlns:p="http://schemas.openxmlformats.org/presentationml/2006/main">
+<p:sld xmlns:a="http://schemas.openxmlformats.org/drawingml/2006/main" xmlns:p="http://schemas.openxmlformats.org/presentationml/2006/main" xmlns:r="http://schemas.openxmlformats.org/officeDocument/2006/relationships">
   <p:cSld>
     <p:spTree>
       <p:nvGrpSpPr>
@@ -3629,14 +3629,7 @@
         <p:cNvGrpSpPr/>
         <p:nvPr/>
       </p:nvGrpSpPr>
-      <p:grpSpPr>
-        <a:xfrm>
-          <a:off x="0" y="0"/>
-          <a:ext cx="0" cy="0"/>
-          <a:chOff x="0" y="0"/>
-          <a:chExt cx="0" cy="0"/>
-        </a:xfrm>
-      </p:grpSpPr>
+      <p:grpSpPr/>
       <p:sp>
         <p:nvSpPr>
           <p:cNvPr id="8" name="직사각형 7">
@@ -3884,7 +3877,7 @@
               </a:defRPr>
             </a:pPr>
             <a:r>
-              <a:t>박정남</a:t>
+              <a:t>이정희</a:t>
             </a:r>
             <a:endParaRPr lang="en-US" altLang="ko-KR" sz="4000" b="1" dirty="0">
               <a:latin typeface="나눔고딕" panose="020D0604000000000000" pitchFamily="50" charset="-127"/>
@@ -4140,7 +4133,7 @@
               </a:defRPr>
             </a:pPr>
             <a:r>
-              <a:t>이은영</a:t>
+              <a:t>문수빈</a:t>
             </a:r>
             <a:endParaRPr lang="en-US" altLang="ko-KR" sz="4000" b="1" dirty="0">
               <a:latin typeface="나눔고딕" panose="020D0604000000000000" pitchFamily="50" charset="-127"/>
@@ -4158,7 +4151,7 @@
 </file>
 
 <file path=ppt/slides/slide3.xml><?xml version="1.0" encoding="utf-8"?>
-<p:sld xmlns:a="http://schemas.openxmlformats.org/drawingml/2006/main" xmlns:r="http://schemas.openxmlformats.org/officeDocument/2006/relationships" xmlns:p="http://schemas.openxmlformats.org/presentationml/2006/main">
+<p:sld xmlns:a="http://schemas.openxmlformats.org/drawingml/2006/main" xmlns:p="http://schemas.openxmlformats.org/presentationml/2006/main" xmlns:r="http://schemas.openxmlformats.org/officeDocument/2006/relationships">
   <p:cSld>
     <p:spTree>
       <p:nvGrpSpPr>
@@ -4166,14 +4159,7 @@
         <p:cNvGrpSpPr/>
         <p:nvPr/>
       </p:nvGrpSpPr>
-      <p:grpSpPr>
-        <a:xfrm>
-          <a:off x="0" y="0"/>
-          <a:ext cx="0" cy="0"/>
-          <a:chOff x="0" y="0"/>
-          <a:chExt cx="0" cy="0"/>
-        </a:xfrm>
-      </p:grpSpPr>
+      <p:grpSpPr/>
       <p:sp>
         <p:nvSpPr>
           <p:cNvPr id="8" name="직사각형 7">
@@ -4421,7 +4407,7 @@
               </a:defRPr>
             </a:pPr>
             <a:r>
-              <a:t>김수빈</a:t>
+              <a:t>박준혁</a:t>
             </a:r>
             <a:endParaRPr lang="en-US" altLang="ko-KR" sz="4000" b="1" dirty="0">
               <a:latin typeface="나눔고딕" panose="020D0604000000000000" pitchFamily="50" charset="-127"/>
@@ -4677,7 +4663,7 @@
               </a:defRPr>
             </a:pPr>
             <a:r>
-              <a:t>장상훈</a:t>
+              <a:t>송지우</a:t>
             </a:r>
             <a:endParaRPr lang="en-US" altLang="ko-KR" sz="4000" b="1" dirty="0">
               <a:latin typeface="나눔고딕" panose="020D0604000000000000" pitchFamily="50" charset="-127"/>
@@ -4695,7 +4681,7 @@
 </file>
 
 <file path=ppt/slides/slide4.xml><?xml version="1.0" encoding="utf-8"?>
-<p:sld xmlns:a="http://schemas.openxmlformats.org/drawingml/2006/main" xmlns:r="http://schemas.openxmlformats.org/officeDocument/2006/relationships" xmlns:p="http://schemas.openxmlformats.org/presentationml/2006/main">
+<p:sld xmlns:a="http://schemas.openxmlformats.org/drawingml/2006/main" xmlns:p="http://schemas.openxmlformats.org/presentationml/2006/main" xmlns:r="http://schemas.openxmlformats.org/officeDocument/2006/relationships">
   <p:cSld>
     <p:spTree>
       <p:nvGrpSpPr>
@@ -4703,14 +4689,7 @@
         <p:cNvGrpSpPr/>
         <p:nvPr/>
       </p:nvGrpSpPr>
-      <p:grpSpPr>
-        <a:xfrm>
-          <a:off x="0" y="0"/>
-          <a:ext cx="0" cy="0"/>
-          <a:chOff x="0" y="0"/>
-          <a:chExt cx="0" cy="0"/>
-        </a:xfrm>
-      </p:grpSpPr>
+      <p:grpSpPr/>
       <p:sp>
         <p:nvSpPr>
           <p:cNvPr id="8" name="직사각형 7">
@@ -4958,7 +4937,7 @@
               </a:defRPr>
             </a:pPr>
             <a:r>
-              <a:t>박우진</a:t>
+              <a:t>김정순</a:t>
             </a:r>
             <a:endParaRPr lang="en-US" altLang="ko-KR" sz="4000" b="1" dirty="0">
               <a:latin typeface="나눔고딕" panose="020D0604000000000000" pitchFamily="50" charset="-127"/>
@@ -5214,7 +5193,7 @@
               </a:defRPr>
             </a:pPr>
             <a:r>
-              <a:t>손유진</a:t>
+              <a:t>김예지</a:t>
             </a:r>
             <a:endParaRPr lang="en-US" altLang="ko-KR" sz="4000" b="1" dirty="0">
               <a:latin typeface="나눔고딕" panose="020D0604000000000000" pitchFamily="50" charset="-127"/>
@@ -5232,7 +5211,7 @@
 </file>
 
 <file path=ppt/slides/slide5.xml><?xml version="1.0" encoding="utf-8"?>
-<p:sld xmlns:a="http://schemas.openxmlformats.org/drawingml/2006/main" xmlns:r="http://schemas.openxmlformats.org/officeDocument/2006/relationships" xmlns:p="http://schemas.openxmlformats.org/presentationml/2006/main">
+<p:sld xmlns:a="http://schemas.openxmlformats.org/drawingml/2006/main" xmlns:p="http://schemas.openxmlformats.org/presentationml/2006/main" xmlns:r="http://schemas.openxmlformats.org/officeDocument/2006/relationships">
   <p:cSld>
     <p:spTree>
       <p:nvGrpSpPr>
@@ -5240,14 +5219,7 @@
         <p:cNvGrpSpPr/>
         <p:nvPr/>
       </p:nvGrpSpPr>
-      <p:grpSpPr>
-        <a:xfrm>
-          <a:off x="0" y="0"/>
-          <a:ext cx="0" cy="0"/>
-          <a:chOff x="0" y="0"/>
-          <a:chExt cx="0" cy="0"/>
-        </a:xfrm>
-      </p:grpSpPr>
+      <p:grpSpPr/>
       <p:sp>
         <p:nvSpPr>
           <p:cNvPr id="8" name="직사각형 7">
@@ -5495,7 +5467,7 @@
               </a:defRPr>
             </a:pPr>
             <a:r>
-              <a:t>고정훈</a:t>
+              <a:t>박예진</a:t>
             </a:r>
             <a:endParaRPr lang="en-US" altLang="ko-KR" sz="4000" b="1" dirty="0">
               <a:latin typeface="나눔고딕" panose="020D0604000000000000" pitchFamily="50" charset="-127"/>
@@ -5751,7 +5723,7 @@
               </a:defRPr>
             </a:pPr>
             <a:r>
-              <a:t>백순옥</a:t>
+              <a:t>김순자</a:t>
             </a:r>
             <a:endParaRPr lang="en-US" altLang="ko-KR" sz="4000" b="1" dirty="0">
               <a:latin typeface="나눔고딕" panose="020D0604000000000000" pitchFamily="50" charset="-127"/>
@@ -5769,7 +5741,7 @@
 </file>
 
 <file path=ppt/slides/slide6.xml><?xml version="1.0" encoding="utf-8"?>
-<p:sld xmlns:a="http://schemas.openxmlformats.org/drawingml/2006/main" xmlns:r="http://schemas.openxmlformats.org/officeDocument/2006/relationships" xmlns:p="http://schemas.openxmlformats.org/presentationml/2006/main">
+<p:sld xmlns:a="http://schemas.openxmlformats.org/drawingml/2006/main" xmlns:p="http://schemas.openxmlformats.org/presentationml/2006/main" xmlns:r="http://schemas.openxmlformats.org/officeDocument/2006/relationships">
   <p:cSld>
     <p:spTree>
       <p:nvGrpSpPr>
@@ -5777,14 +5749,7 @@
         <p:cNvGrpSpPr/>
         <p:nvPr/>
       </p:nvGrpSpPr>
-      <p:grpSpPr>
-        <a:xfrm>
-          <a:off x="0" y="0"/>
-          <a:ext cx="0" cy="0"/>
-          <a:chOff x="0" y="0"/>
-          <a:chExt cx="0" cy="0"/>
-        </a:xfrm>
-      </p:grpSpPr>
+      <p:grpSpPr/>
       <p:sp>
         <p:nvSpPr>
           <p:cNvPr id="8" name="직사각형 7">
@@ -6032,7 +5997,7 @@
               </a:defRPr>
             </a:pPr>
             <a:r>
-              <a:t>김지영</a:t>
+              <a:t>정예은</a:t>
             </a:r>
             <a:endParaRPr lang="en-US" altLang="ko-KR" sz="4000" b="1" dirty="0">
               <a:latin typeface="나눔고딕" panose="020D0604000000000000" pitchFamily="50" charset="-127"/>
@@ -6288,7 +6253,7 @@
               </a:defRPr>
             </a:pPr>
             <a:r>
-              <a:t>강준호</a:t>
+              <a:t>허현우</a:t>
             </a:r>
             <a:endParaRPr lang="en-US" altLang="ko-KR" sz="4000" b="1" dirty="0">
               <a:latin typeface="나눔고딕" panose="020D0604000000000000" pitchFamily="50" charset="-127"/>
